--- a/hello_world_example/gimpfu.pptx
+++ b/hello_world_example/gimpfu.pptx
@@ -110,6 +110,11 @@
       </a:defRPr>
     </a:lvl9pPr>
   </p:defaultTextStyle>
+  <p:extLst>
+    <p:ext uri="{EFAFB233-063F-42B5-8137-9DF3F51BA10A}">
+      <p15:sldGuideLst xmlns:p15="http://schemas.microsoft.com/office/powerpoint/2012/main"/>
+    </p:ext>
+  </p:extLst>
 </p:presentation>
 </file>
 
@@ -260,7 +265,7 @@
           <a:p>
             <a:fld id="{47820330-1CB9-0C49-8C01-22F30DC5A20E}" type="datetimeFigureOut">
               <a:rPr lang="en-US" smtClean="0"/>
-              <a:t>2/5/19</a:t>
+              <a:t>3/26/20</a:t>
             </a:fld>
             <a:endParaRPr lang="en-US" dirty="0"/>
           </a:p>
@@ -458,7 +463,7 @@
           <a:p>
             <a:fld id="{47820330-1CB9-0C49-8C01-22F30DC5A20E}" type="datetimeFigureOut">
               <a:rPr lang="en-US" smtClean="0"/>
-              <a:t>2/5/19</a:t>
+              <a:t>3/26/20</a:t>
             </a:fld>
             <a:endParaRPr lang="en-US" dirty="0"/>
           </a:p>
@@ -666,7 +671,7 @@
           <a:p>
             <a:fld id="{47820330-1CB9-0C49-8C01-22F30DC5A20E}" type="datetimeFigureOut">
               <a:rPr lang="en-US" smtClean="0"/>
-              <a:t>2/5/19</a:t>
+              <a:t>3/26/20</a:t>
             </a:fld>
             <a:endParaRPr lang="en-US" dirty="0"/>
           </a:p>
@@ -864,7 +869,7 @@
           <a:p>
             <a:fld id="{47820330-1CB9-0C49-8C01-22F30DC5A20E}" type="datetimeFigureOut">
               <a:rPr lang="en-US" smtClean="0"/>
-              <a:t>2/5/19</a:t>
+              <a:t>3/26/20</a:t>
             </a:fld>
             <a:endParaRPr lang="en-US" dirty="0"/>
           </a:p>
@@ -1139,7 +1144,7 @@
           <a:p>
             <a:fld id="{47820330-1CB9-0C49-8C01-22F30DC5A20E}" type="datetimeFigureOut">
               <a:rPr lang="en-US" smtClean="0"/>
-              <a:t>2/5/19</a:t>
+              <a:t>3/26/20</a:t>
             </a:fld>
             <a:endParaRPr lang="en-US" dirty="0"/>
           </a:p>
@@ -1404,7 +1409,7 @@
           <a:p>
             <a:fld id="{47820330-1CB9-0C49-8C01-22F30DC5A20E}" type="datetimeFigureOut">
               <a:rPr lang="en-US" smtClean="0"/>
-              <a:t>2/5/19</a:t>
+              <a:t>3/26/20</a:t>
             </a:fld>
             <a:endParaRPr lang="en-US" dirty="0"/>
           </a:p>
@@ -1816,7 +1821,7 @@
           <a:p>
             <a:fld id="{47820330-1CB9-0C49-8C01-22F30DC5A20E}" type="datetimeFigureOut">
               <a:rPr lang="en-US" smtClean="0"/>
-              <a:t>2/5/19</a:t>
+              <a:t>3/26/20</a:t>
             </a:fld>
             <a:endParaRPr lang="en-US" dirty="0"/>
           </a:p>
@@ -1957,7 +1962,7 @@
           <a:p>
             <a:fld id="{47820330-1CB9-0C49-8C01-22F30DC5A20E}" type="datetimeFigureOut">
               <a:rPr lang="en-US" smtClean="0"/>
-              <a:t>2/5/19</a:t>
+              <a:t>3/26/20</a:t>
             </a:fld>
             <a:endParaRPr lang="en-US" dirty="0"/>
           </a:p>
@@ -2070,7 +2075,7 @@
           <a:p>
             <a:fld id="{47820330-1CB9-0C49-8C01-22F30DC5A20E}" type="datetimeFigureOut">
               <a:rPr lang="en-US" smtClean="0"/>
-              <a:t>2/5/19</a:t>
+              <a:t>3/26/20</a:t>
             </a:fld>
             <a:endParaRPr lang="en-US" dirty="0"/>
           </a:p>
@@ -2381,7 +2386,7 @@
           <a:p>
             <a:fld id="{47820330-1CB9-0C49-8C01-22F30DC5A20E}" type="datetimeFigureOut">
               <a:rPr lang="en-US" smtClean="0"/>
-              <a:t>2/5/19</a:t>
+              <a:t>3/26/20</a:t>
             </a:fld>
             <a:endParaRPr lang="en-US" dirty="0"/>
           </a:p>
@@ -2669,7 +2674,7 @@
           <a:p>
             <a:fld id="{47820330-1CB9-0C49-8C01-22F30DC5A20E}" type="datetimeFigureOut">
               <a:rPr lang="en-US" smtClean="0"/>
-              <a:t>2/5/19</a:t>
+              <a:t>3/26/20</a:t>
             </a:fld>
             <a:endParaRPr lang="en-US" dirty="0"/>
           </a:p>
@@ -2910,7 +2915,7 @@
           <a:p>
             <a:fld id="{47820330-1CB9-0C49-8C01-22F30DC5A20E}" type="datetimeFigureOut">
               <a:rPr lang="en-US" smtClean="0"/>
-              <a:t>2/5/19</a:t>
+              <a:t>3/26/20</a:t>
             </a:fld>
             <a:endParaRPr lang="en-US" dirty="0"/>
           </a:p>
@@ -3573,7 +3578,7 @@
                   <a:srgbClr val="00B050"/>
                 </a:solidFill>
               </a:rPr>
-              <a:t># This is a hello world plugin-in using gimpfu, a python intefrace packge [1-3].</a:t>
+              <a:t># This is a hello world plugin-in using gimpfu, a python interface package [1-3].</a:t>
             </a:r>
           </a:p>
           <a:p>
@@ -3611,7 +3616,7 @@
                   <a:srgbClr val="00B050"/>
                 </a:solidFill>
               </a:rPr>
-              <a:t>#     NB: Example code on-line are extremely GIMP version depeendent; this script uses</a:t>
+              <a:t>#     NB: Example code on-line are extremely GIMP version dependent; this script uses</a:t>
             </a:r>
           </a:p>
           <a:p>
@@ -3630,7 +3635,7 @@
                   <a:srgbClr val="00B050"/>
                 </a:solidFill>
               </a:rPr>
-              <a:t>#     GIMP-2.10. But not to worry, you can lookup the correct syntax by seaching</a:t>
+              <a:t>#     GIMP-2.10. But not to worry, you can lookup the correct syntax by searching</a:t>
             </a:r>
           </a:p>
           <a:p>
@@ -3649,7 +3654,7 @@
                   <a:srgbClr val="00B050"/>
                 </a:solidFill>
               </a:rPr>
-              <a:t>#     through GIMP's procedure broswer (Help -&gt; Procdure Bowser), and adjust the examples</a:t>
+              <a:t>#     through GIMP's procedure browser (Help -&gt; Procedure Bowser), and adjust the examples</a:t>
             </a:r>
           </a:p>
           <a:p>
@@ -3839,7 +3844,7 @@
                   <a:srgbClr val="00B050"/>
                 </a:solidFill>
               </a:rPr>
-              <a:t>#        assuming you did a stardard GIMP install.</a:t>
+              <a:t>#        assuming you did a standard GIMP install.</a:t>
             </a:r>
           </a:p>
           <a:p>
@@ -4192,7 +4197,7 @@
                   <a:srgbClr val="00B050"/>
                 </a:solidFill>
               </a:rPr>
-              <a:t># hello workd plugin source code</a:t>
+              <a:t># hello world plugin source code</a:t>
             </a:r>
           </a:p>
           <a:p>
@@ -4287,7 +4292,7 @@
                   <a:srgbClr val="00B050"/>
                 </a:solidFill>
               </a:rPr>
-              <a:t>    #       procedure broswer in gimp to get its definition information.</a:t>
+              <a:t>    #       procedure browser in gimp to get its definition information.</a:t>
             </a:r>
           </a:p>
           <a:p>
@@ -4686,7 +4691,7 @@
                   <a:srgbClr val="00B050"/>
                 </a:solidFill>
               </a:rPr>
-              <a:t>    "Create an image iwth a user-provided string",</a:t>
+              <a:t>    "Create an image with a user-provided string",</a:t>
             </a:r>
           </a:p>
           <a:p>
@@ -4800,7 +4805,7 @@
                   <a:srgbClr val="00B050"/>
                 </a:solidFill>
               </a:rPr>
-              <a:t>    # parameter-template for diaglogue box mapping to function arguments.</a:t>
+              <a:t>    # parameter-template for dialogue box mapping to function arguments.</a:t>
             </a:r>
           </a:p>
           <a:p>

--- a/hello_world_example/gimpfu.pptx
+++ b/hello_world_example/gimpfu.pptx
@@ -3487,12 +3487,15 @@
           </a:xfrm>
         </p:spPr>
         <p:txBody>
-          <a:bodyPr/>
-          <a:lstStyle/>
-          <a:p>
-            <a:r>
-              <a:rPr lang="en-US" dirty="0"/>
-              <a:t>Annotated Hello World Plugin Code: bart.py</a:t>
+          <a:bodyPr>
+            <a:normAutofit/>
+          </a:bodyPr>
+          <a:lstStyle/>
+          <a:p>
+            <a:pPr algn="ctr"/>
+            <a:r>
+              <a:rPr lang="en-US" sz="3800" dirty="0"/>
+              <a:t>Annotated Hello World Plugin Code: hello_world.py</a:t>
             </a:r>
           </a:p>
         </p:txBody>
@@ -4094,17 +4097,20 @@
         </p:nvSpPr>
         <p:spPr>
           <a:xfrm>
-            <a:off x="838200" y="365126"/>
+            <a:off x="1011825" y="365126"/>
             <a:ext cx="10515600" cy="759340"/>
           </a:xfrm>
         </p:spPr>
         <p:txBody>
-          <a:bodyPr/>
-          <a:lstStyle/>
-          <a:p>
-            <a:r>
-              <a:rPr lang="en-US" dirty="0"/>
-              <a:t>Annotated Hello World Plugin Code: bart.py</a:t>
+          <a:bodyPr>
+            <a:normAutofit/>
+          </a:bodyPr>
+          <a:lstStyle/>
+          <a:p>
+            <a:pPr algn="ctr"/>
+            <a:r>
+              <a:rPr lang="en-US" sz="3800" dirty="0"/>
+              <a:t>Annotated Hello World Plugin Code: hello_world.py</a:t>
             </a:r>
           </a:p>
         </p:txBody>
@@ -4530,8 +4536,8 @@
         </p:nvSpPr>
         <p:spPr>
           <a:xfrm>
-            <a:off x="1221259" y="179775"/>
-            <a:ext cx="10184027" cy="6492874"/>
+            <a:off x="1232834" y="420129"/>
+            <a:ext cx="10184027" cy="6302048"/>
           </a:xfrm>
           <a:solidFill>
             <a:schemeClr val="tx1"/>
@@ -5089,22 +5095,6 @@
               </a:rPr>
               <a:t>main()</a:t>
             </a:r>
-          </a:p>
-          <a:p>
-            <a:pPr marL="0" indent="0">
-              <a:lnSpc>
-                <a:spcPct val="100000"/>
-              </a:lnSpc>
-              <a:spcBef>
-                <a:spcPts val="0"/>
-              </a:spcBef>
-              <a:buNone/>
-            </a:pPr>
-            <a:endParaRPr lang="en-US" sz="1400" b="1" dirty="0">
-              <a:solidFill>
-                <a:srgbClr val="00B050"/>
-              </a:solidFill>
-            </a:endParaRPr>
           </a:p>
         </p:txBody>
       </p:sp>
@@ -5159,6 +5149,41 @@
             <a:r>
               <a:rPr lang="en-US" b="1" dirty="0"/>
               <a:t>Registration/Installing</a:t>
+            </a:r>
+          </a:p>
+        </p:txBody>
+      </p:sp>
+      <p:sp>
+        <p:nvSpPr>
+          <p:cNvPr id="2" name="Rectangle 1">
+            <a:extLst>
+              <a:ext uri="{FF2B5EF4-FFF2-40B4-BE49-F238E27FC236}">
+                <a16:creationId xmlns:a16="http://schemas.microsoft.com/office/drawing/2014/main" id="{DCD521E0-A64E-124E-A974-148FDDD795C3}"/>
+              </a:ext>
+            </a:extLst>
+          </p:cNvPr>
+          <p:cNvSpPr/>
+          <p:nvPr/>
+        </p:nvSpPr>
+        <p:spPr>
+          <a:xfrm>
+            <a:off x="1232833" y="46300"/>
+            <a:ext cx="10184027" cy="369332"/>
+          </a:xfrm>
+          <a:prstGeom prst="rect">
+            <a:avLst/>
+          </a:prstGeom>
+        </p:spPr>
+        <p:txBody>
+          <a:bodyPr wrap="square">
+            <a:spAutoFit/>
+          </a:bodyPr>
+          <a:lstStyle/>
+          <a:p>
+            <a:pPr algn="ctr"/>
+            <a:r>
+              <a:rPr lang="en-US" dirty="0"/>
+              <a:t>Annotated Hello World Plugin Code: hello_world.py</a:t>
             </a:r>
           </a:p>
         </p:txBody>
